--- a/JavaScript/Slide/Chapter 4_How to work with JavaScript objects, functions, and events.pptx
+++ b/JavaScript/Slide/Chapter 4_How to work with JavaScript objects, functions, and events.pptx
@@ -192,6 +192,250 @@
 </p:presentation>
 </file>
 
+<file path=ppt/commentAuthors.xml><?xml version="1.0" encoding="utf-8"?>
+<p:cmAuthorLst xmlns:a="http://schemas.openxmlformats.org/drawingml/2006/main" xmlns:r="http://schemas.openxmlformats.org/officeDocument/2006/relationships" xmlns:p="http://schemas.openxmlformats.org/presentationml/2006/main">
+  <p:cmAuthor id="1" name="Pdviet5073" initials="P" lastIdx="21" clrIdx="0">
+    <p:extLst>
+      <p:ext uri="{19B8F6BF-5375-455C-9EA6-DF929625EA0E}">
+        <p15:presenceInfo xmlns:p15="http://schemas.microsoft.com/office/powerpoint/2012/main" userId="Pdviet5073" providerId="None"/>
+      </p:ext>
+    </p:extLst>
+  </p:cmAuthor>
+</p:cmAuthorLst>
+</file>
+
+<file path=ppt/comments/comment1.xml><?xml version="1.0" encoding="utf-8"?>
+<p:cmLst xmlns:a="http://schemas.openxmlformats.org/drawingml/2006/main" xmlns:r="http://schemas.openxmlformats.org/officeDocument/2006/relationships" xmlns:p="http://schemas.openxmlformats.org/presentationml/2006/main">
+  <p:cm authorId="1" dt="2020-06-05T19:12:06.269" idx="1">
+    <p:pos x="10" y="10"/>
+    <p:text>confirm hiển thị ra tittle, trả về true hoặc false</p:text>
+    <p:extLst>
+      <p:ext uri="{C676402C-5697-4E1C-873F-D02D1690AC5C}">
+        <p15:threadingInfo xmlns:p15="http://schemas.microsoft.com/office/powerpoint/2012/main" timeZoneBias="-420"/>
+      </p:ext>
+    </p:extLst>
+  </p:cm>
+  <p:cm authorId="1" dt="2020-06-05T19:14:43.233" idx="2">
+    <p:pos x="106" y="106"/>
+    <p:text>object=properties+method</p:text>
+    <p:extLst>
+      <p:ext uri="{C676402C-5697-4E1C-873F-D02D1690AC5C}">
+        <p15:threadingInfo xmlns:p15="http://schemas.microsoft.com/office/powerpoint/2012/main" timeZoneBias="-420"/>
+      </p:ext>
+    </p:extLst>
+  </p:cm>
+  <p:cm authorId="1" dt="2020-06-05T19:16:01.224" idx="3">
+    <p:pos x="106" y="202"/>
+    <p:text>vd: thẻ &lt;a&gt;: properties: là các astribis
+method là khi nhấn vào thẻ a sẽ hiện ra 1 liên kết khác</p:text>
+    <p:extLst>
+      <p:ext uri="{C676402C-5697-4E1C-873F-D02D1690AC5C}">
+        <p15:threadingInfo xmlns:p15="http://schemas.microsoft.com/office/powerpoint/2012/main" timeZoneBias="-420">
+          <p15:parentCm authorId="1" idx="2"/>
+        </p15:threadingInfo>
+      </p:ext>
+    </p:extLst>
+  </p:cm>
+</p:cmLst>
+</file>
+
+<file path=ppt/comments/comment10.xml><?xml version="1.0" encoding="utf-8"?>
+<p:cmLst xmlns:a="http://schemas.openxmlformats.org/drawingml/2006/main" xmlns:r="http://schemas.openxmlformats.org/officeDocument/2006/relationships" xmlns:p="http://schemas.openxmlformats.org/presentationml/2006/main">
+  <p:cm authorId="1" dt="2020-06-08T18:32:17.502" idx="21">
+    <p:pos x="10" y="10"/>
+    <p:text>tên sự kiện = on+tên loại sự kiện</p:text>
+    <p:extLst>
+      <p:ext uri="{C676402C-5697-4E1C-873F-D02D1690AC5C}">
+        <p15:threadingInfo xmlns:p15="http://schemas.microsoft.com/office/powerpoint/2012/main" timeZoneBias="-420"/>
+      </p:ext>
+    </p:extLst>
+  </p:cm>
+</p:cmLst>
+</file>
+
+<file path=ppt/comments/comment2.xml><?xml version="1.0" encoding="utf-8"?>
+<p:cmLst xmlns:a="http://schemas.openxmlformats.org/drawingml/2006/main" xmlns:r="http://schemas.openxmlformats.org/officeDocument/2006/relationships" xmlns:p="http://schemas.openxmlformats.org/presentationml/2006/main">
+  <p:cm authorId="1" dt="2020-06-05T19:22:29.672" idx="4">
+    <p:pos x="10" y="10"/>
+    <p:text>value: get gtri ng dùng input vào.(mọi input đều là string)</p:text>
+    <p:extLst>
+      <p:ext uri="{C676402C-5697-4E1C-873F-D02D1690AC5C}">
+        <p15:threadingInfo xmlns:p15="http://schemas.microsoft.com/office/powerpoint/2012/main" timeZoneBias="-420"/>
+      </p:ext>
+    </p:extLst>
+  </p:cm>
+</p:cmLst>
+</file>
+
+<file path=ppt/comments/comment3.xml><?xml version="1.0" encoding="utf-8"?>
+<p:cmLst xmlns:a="http://schemas.openxmlformats.org/drawingml/2006/main" xmlns:r="http://schemas.openxmlformats.org/officeDocument/2006/relationships" xmlns:p="http://schemas.openxmlformats.org/presentationml/2006/main">
+  <p:cm authorId="1" dt="2020-06-05T19:53:43.248" idx="5">
+    <p:pos x="10" y="10"/>
+    <p:text>new Date: get gtri thời gian từ phía client</p:text>
+    <p:extLst>
+      <p:ext uri="{C676402C-5697-4E1C-873F-D02D1690AC5C}">
+        <p15:threadingInfo xmlns:p15="http://schemas.microsoft.com/office/powerpoint/2012/main" timeZoneBias="-420"/>
+      </p:ext>
+    </p:extLst>
+  </p:cm>
+</p:cmLst>
+</file>
+
+<file path=ppt/comments/comment4.xml><?xml version="1.0" encoding="utf-8"?>
+<p:cmLst xmlns:a="http://schemas.openxmlformats.org/drawingml/2006/main" xmlns:r="http://schemas.openxmlformats.org/officeDocument/2006/relationships" xmlns:p="http://schemas.openxmlformats.org/presentationml/2006/main">
+  <p:cm authorId="1" dt="2020-06-05T20:08:15.530" idx="6">
+    <p:pos x="10" y="10"/>
+    <p:text>indexof: tìm vị trí của kí tự hay đoạn text (đoạn text cần tìm, bắt đầu từ vị trí nào)</p:text>
+    <p:extLst>
+      <p:ext uri="{C676402C-5697-4E1C-873F-D02D1690AC5C}">
+        <p15:threadingInfo xmlns:p15="http://schemas.microsoft.com/office/powerpoint/2012/main" timeZoneBias="-420"/>
+      </p:ext>
+    </p:extLst>
+  </p:cm>
+  <p:cm authorId="1" dt="2020-06-05T20:08:45.093" idx="7">
+    <p:pos x="106" y="106"/>
+    <p:text>substr: cắt đoạn text (bắt đầu từ vị trí nào, gồm bn kí tự)</p:text>
+    <p:extLst>
+      <p:ext uri="{C676402C-5697-4E1C-873F-D02D1690AC5C}">
+        <p15:threadingInfo xmlns:p15="http://schemas.microsoft.com/office/powerpoint/2012/main" timeZoneBias="-420"/>
+      </p:ext>
+    </p:extLst>
+  </p:cm>
+  <p:cm authorId="1" dt="2020-06-05T20:15:04.823" idx="8">
+    <p:pos x="202" y="202"/>
+    <p:text>substring: cũng cắt đoạn text (vị trí bắt đầu , vị trí kết thúc)</p:text>
+    <p:extLst>
+      <p:ext uri="{C676402C-5697-4E1C-873F-D02D1690AC5C}">
+        <p15:threadingInfo xmlns:p15="http://schemas.microsoft.com/office/powerpoint/2012/main" timeZoneBias="-420"/>
+      </p:ext>
+    </p:extLst>
+  </p:cm>
+</p:cmLst>
+</file>
+
+<file path=ppt/comments/comment5.xml><?xml version="1.0" encoding="utf-8"?>
+<p:cmLst xmlns:a="http://schemas.openxmlformats.org/drawingml/2006/main" xmlns:r="http://schemas.openxmlformats.org/officeDocument/2006/relationships" xmlns:p="http://schemas.openxmlformats.org/presentationml/2006/main">
+  <p:cm authorId="1" dt="2020-06-05T20:55:39.412" idx="14">
+    <p:pos x="5289" y="145"/>
+    <p:text>function expression: gọi là kiểu khai báo function</p:text>
+    <p:extLst>
+      <p:ext uri="{C676402C-5697-4E1C-873F-D02D1690AC5C}">
+        <p15:threadingInfo xmlns:p15="http://schemas.microsoft.com/office/powerpoint/2012/main" timeZoneBias="-420"/>
+      </p:ext>
+    </p:extLst>
+  </p:cm>
+</p:cmLst>
+</file>
+
+<file path=ppt/comments/comment6.xml><?xml version="1.0" encoding="utf-8"?>
+<p:cmLst xmlns:a="http://schemas.openxmlformats.org/drawingml/2006/main" xmlns:r="http://schemas.openxmlformats.org/officeDocument/2006/relationships" xmlns:p="http://schemas.openxmlformats.org/presentationml/2006/main">
+  <p:cm authorId="1" dt="2020-06-05T20:39:23.747" idx="9">
+    <p:pos x="10" y="10"/>
+    <p:text>để sử dụng nhiều lần 1 function thì tạo tên element bắt đầu bằng $</p:text>
+    <p:extLst>
+      <p:ext uri="{C676402C-5697-4E1C-873F-D02D1690AC5C}">
+        <p15:threadingInfo xmlns:p15="http://schemas.microsoft.com/office/powerpoint/2012/main" timeZoneBias="-420"/>
+      </p:ext>
+    </p:extLst>
+  </p:cm>
+  <p:cm authorId="1" dt="2020-06-05T20:41:54.916" idx="11">
+    <p:pos x="10" y="106"/>
+    <p:text>var $= function(id){
+return document.getElementById(id);
+};</p:text>
+    <p:extLst>
+      <p:ext uri="{C676402C-5697-4E1C-873F-D02D1690AC5C}">
+        <p15:threadingInfo xmlns:p15="http://schemas.microsoft.com/office/powerpoint/2012/main" timeZoneBias="-420">
+          <p15:parentCm authorId="1" idx="9"/>
+        </p15:threadingInfo>
+      </p:ext>
+    </p:extLst>
+  </p:cm>
+  <p:cm authorId="1" dt="2020-06-05T20:48:30.537" idx="12">
+    <p:pos x="106" y="106"/>
+    <p:text>toFiexd: trả về string</p:text>
+    <p:extLst>
+      <p:ext uri="{C676402C-5697-4E1C-873F-D02D1690AC5C}">
+        <p15:threadingInfo xmlns:p15="http://schemas.microsoft.com/office/powerpoint/2012/main" timeZoneBias="-420"/>
+      </p:ext>
+    </p:extLst>
+  </p:cm>
+</p:cmLst>
+</file>
+
+<file path=ppt/comments/comment7.xml><?xml version="1.0" encoding="utf-8"?>
+<p:cmLst xmlns:a="http://schemas.openxmlformats.org/drawingml/2006/main" xmlns:r="http://schemas.openxmlformats.org/officeDocument/2006/relationships" xmlns:p="http://schemas.openxmlformats.org/presentationml/2006/main">
+  <p:cm authorId="1" dt="2020-06-05T20:54:59.097" idx="13">
+    <p:pos x="10" y="10"/>
+    <p:text>function declaration: đc gọi là khởi tạo function</p:text>
+    <p:extLst>
+      <p:ext uri="{C676402C-5697-4E1C-873F-D02D1690AC5C}">
+        <p15:threadingInfo xmlns:p15="http://schemas.microsoft.com/office/powerpoint/2012/main" timeZoneBias="-420"/>
+      </p:ext>
+    </p:extLst>
+  </p:cm>
+</p:cmLst>
+</file>
+
+<file path=ppt/comments/comment8.xml><?xml version="1.0" encoding="utf-8"?>
+<p:cmLst xmlns:a="http://schemas.openxmlformats.org/drawingml/2006/main" xmlns:r="http://schemas.openxmlformats.org/officeDocument/2006/relationships" xmlns:p="http://schemas.openxmlformats.org/presentationml/2006/main">
+  <p:cm authorId="1" dt="2020-06-05T20:59:01.417" idx="15">
+    <p:pos x="10" y="10"/>
+    <p:text>tính đóng gói</p:text>
+    <p:extLst>
+      <p:ext uri="{C676402C-5697-4E1C-873F-D02D1690AC5C}">
+        <p15:threadingInfo xmlns:p15="http://schemas.microsoft.com/office/powerpoint/2012/main" timeZoneBias="-420"/>
+      </p:ext>
+    </p:extLst>
+  </p:cm>
+  <p:cm authorId="1" dt="2020-06-05T20:59:38.839" idx="16">
+    <p:pos x="10" y="106"/>
+    <p:text>biến local: biến mà chỉ có 1 số đối tượng mới có thể truy cập, chỉ có thằng cha mới có thể gọi đc biến này</p:text>
+    <p:extLst>
+      <p:ext uri="{C676402C-5697-4E1C-873F-D02D1690AC5C}">
+        <p15:threadingInfo xmlns:p15="http://schemas.microsoft.com/office/powerpoint/2012/main" timeZoneBias="-420">
+          <p15:parentCm authorId="1" idx="15"/>
+        </p15:threadingInfo>
+      </p:ext>
+    </p:extLst>
+  </p:cm>
+  <p:cm authorId="1" dt="2020-06-05T21:00:02.087" idx="17">
+    <p:pos x="10" y="202"/>
+    <p:text>biến global: là biến chung cho phép nhiều đối tượng truy cập</p:text>
+    <p:extLst>
+      <p:ext uri="{C676402C-5697-4E1C-873F-D02D1690AC5C}">
+        <p15:threadingInfo xmlns:p15="http://schemas.microsoft.com/office/powerpoint/2012/main" timeZoneBias="-420">
+          <p15:parentCm authorId="1" idx="15"/>
+        </p15:threadingInfo>
+      </p:ext>
+    </p:extLst>
+  </p:cm>
+</p:cmLst>
+</file>
+
+<file path=ppt/comments/comment9.xml><?xml version="1.0" encoding="utf-8"?>
+<p:cmLst xmlns:a="http://schemas.openxmlformats.org/drawingml/2006/main" xmlns:r="http://schemas.openxmlformats.org/officeDocument/2006/relationships" xmlns:p="http://schemas.openxmlformats.org/presentationml/2006/main">
+  <p:cm authorId="1" dt="2020-06-08T18:23:26.246" idx="18">
+    <p:pos x="10" y="10"/>
+    <p:text>control or link: là các thẻ input , a</p:text>
+    <p:extLst>
+      <p:ext uri="{C676402C-5697-4E1C-873F-D02D1690AC5C}">
+        <p15:threadingInfo xmlns:p15="http://schemas.microsoft.com/office/powerpoint/2012/main" timeZoneBias="-420"/>
+      </p:ext>
+    </p:extLst>
+  </p:cm>
+  <p:cm authorId="1" dt="2020-06-08T18:25:47.554" idx="19">
+    <p:pos x="106" y="106"/>
+    <p:text>change:</p:text>
+    <p:extLst>
+      <p:ext uri="{C676402C-5697-4E1C-873F-D02D1690AC5C}">
+        <p15:threadingInfo xmlns:p15="http://schemas.microsoft.com/office/powerpoint/2012/main" timeZoneBias="-420"/>
+      </p:ext>
+    </p:extLst>
+  </p:cm>
+</p:cmLst>
+</file>
+
 <file path=ppt/notesMasters/notesMaster1.xml><?xml version="1.0" encoding="utf-8"?>
 <p:notesMaster xmlns:a="http://schemas.openxmlformats.org/drawingml/2006/main" xmlns:r="http://schemas.openxmlformats.org/officeDocument/2006/relationships" xmlns:p="http://schemas.openxmlformats.org/presentationml/2006/main">
   <p:cSld>
@@ -275,7 +519,7 @@
             <a:fld id="{524DC8F9-1DCD-4754-A44C-6EBB62BDA97B}" type="datetimeFigureOut">
               <a:rPr lang="en-US" smtClean="0"/>
               <a:pPr/>
-              <a:t>5/31/2020</a:t>
+              <a:t>6/8/2020</a:t>
             </a:fld>
             <a:endParaRPr lang="en-US"/>
           </a:p>
@@ -1173,7 +1417,7 @@
           <a:bodyPr/>
           <a:lstStyle/>
           <a:p>
-            <a:endParaRPr lang="vi-VN" dirty="0"/>
+            <a:endParaRPr lang="en-US" dirty="0"/>
           </a:p>
         </p:txBody>
       </p:sp>
@@ -1195,7 +1439,7 @@
             <a:fld id="{C8AC33F9-044C-4B38-8B6C-236C15A0E77C}" type="slidenum">
               <a:rPr lang="en-US" smtClean="0"/>
               <a:pPr/>
-              <a:t>9</a:t>
+              <a:t>5</a:t>
             </a:fld>
             <a:endParaRPr lang="en-US"/>
           </a:p>
@@ -1204,7 +1448,7 @@
     </p:spTree>
     <p:extLst>
       <p:ext uri="{BB962C8B-B14F-4D97-AF65-F5344CB8AC3E}">
-        <p14:creationId xmlns:p14="http://schemas.microsoft.com/office/powerpoint/2010/main" val="3776469877"/>
+        <p14:creationId xmlns:p14="http://schemas.microsoft.com/office/powerpoint/2010/main" val="3621019082"/>
       </p:ext>
     </p:extLst>
   </p:cSld>
@@ -1255,115 +1499,10 @@
         </p:nvSpPr>
         <p:spPr/>
         <p:txBody>
-          <a:bodyPr>
-            <a:normAutofit/>
-          </a:bodyPr>
+          <a:bodyPr/>
           <a:lstStyle/>
           <a:p>
-            <a:r>
-              <a:rPr lang="en-US" dirty="0" smtClean="0"/>
-              <a:t>Session:</a:t>
-            </a:r>
-            <a:r>
-              <a:rPr lang="en-US" baseline="0" dirty="0" smtClean="0"/>
-              <a:t> </a:t>
-            </a:r>
-            <a:r>
-              <a:rPr lang="en-US" baseline="0" dirty="0" err="1" smtClean="0"/>
-              <a:t>Ghi</a:t>
-            </a:r>
-            <a:r>
-              <a:rPr lang="en-US" baseline="0" dirty="0" smtClean="0"/>
-              <a:t> </a:t>
-            </a:r>
-            <a:r>
-              <a:rPr lang="en-US" baseline="0" dirty="0" err="1" smtClean="0"/>
-              <a:t>số</a:t>
-            </a:r>
-            <a:r>
-              <a:rPr lang="en-US" baseline="0" dirty="0" smtClean="0"/>
-              <a:t> </a:t>
-            </a:r>
-            <a:r>
-              <a:rPr lang="en-US" baseline="0" dirty="0" err="1" smtClean="0"/>
-              <a:t>thứ</a:t>
-            </a:r>
-            <a:r>
-              <a:rPr lang="en-US" baseline="0" dirty="0" smtClean="0"/>
-              <a:t> </a:t>
-            </a:r>
-            <a:r>
-              <a:rPr lang="en-US" baseline="0" dirty="0" err="1" smtClean="0"/>
-              <a:t>tự</a:t>
-            </a:r>
-            <a:r>
-              <a:rPr lang="en-US" baseline="0" dirty="0" smtClean="0"/>
-              <a:t> session </a:t>
-            </a:r>
-            <a:r>
-              <a:rPr lang="en-US" baseline="0" dirty="0" err="1" smtClean="0"/>
-              <a:t>trong</a:t>
-            </a:r>
-            <a:r>
-              <a:rPr lang="en-US" baseline="0" dirty="0" smtClean="0"/>
-              <a:t> </a:t>
-            </a:r>
-            <a:r>
-              <a:rPr lang="en-US" baseline="0" dirty="0" err="1" smtClean="0"/>
-              <a:t>môn</a:t>
-            </a:r>
-            <a:r>
-              <a:rPr lang="en-US" baseline="0" dirty="0" smtClean="0"/>
-              <a:t> </a:t>
-            </a:r>
-            <a:r>
-              <a:rPr lang="en-US" baseline="0" dirty="0" err="1" smtClean="0"/>
-              <a:t>học</a:t>
-            </a:r>
-            <a:endParaRPr lang="en-US" baseline="0" dirty="0" smtClean="0"/>
-          </a:p>
-          <a:p>
-            <a:r>
-              <a:rPr lang="en-US" baseline="0" dirty="0" smtClean="0"/>
-              <a:t>Session Name: </a:t>
-            </a:r>
-            <a:r>
-              <a:rPr lang="en-US" baseline="0" dirty="0" err="1" smtClean="0"/>
-              <a:t>ghi</a:t>
-            </a:r>
-            <a:r>
-              <a:rPr lang="en-US" baseline="0" dirty="0" smtClean="0"/>
-              <a:t> </a:t>
-            </a:r>
-            <a:r>
-              <a:rPr lang="en-US" baseline="0" dirty="0" err="1" smtClean="0"/>
-              <a:t>tên</a:t>
-            </a:r>
-            <a:r>
-              <a:rPr lang="en-US" baseline="0" dirty="0" smtClean="0"/>
-              <a:t> </a:t>
-            </a:r>
-            <a:r>
-              <a:rPr lang="en-US" baseline="0" dirty="0" err="1" smtClean="0"/>
-              <a:t>của</a:t>
-            </a:r>
-            <a:r>
-              <a:rPr lang="en-US" baseline="0" dirty="0" smtClean="0"/>
-              <a:t> session </a:t>
-            </a:r>
-            <a:r>
-              <a:rPr lang="en-US" baseline="0" dirty="0" err="1" smtClean="0"/>
-              <a:t>sẽ</a:t>
-            </a:r>
-            <a:r>
-              <a:rPr lang="en-US" baseline="0" dirty="0" smtClean="0"/>
-              <a:t> </a:t>
-            </a:r>
-            <a:r>
-              <a:rPr lang="en-US" baseline="0" dirty="0" err="1" smtClean="0"/>
-              <a:t>dạy</a:t>
-            </a:r>
-            <a:endParaRPr lang="en-US" dirty="0"/>
+            <a:endParaRPr lang="vi-VN" dirty="0"/>
           </a:p>
         </p:txBody>
       </p:sp>
@@ -1385,7 +1524,7 @@
             <a:fld id="{C8AC33F9-044C-4B38-8B6C-236C15A0E77C}" type="slidenum">
               <a:rPr lang="en-US" smtClean="0"/>
               <a:pPr/>
-              <a:t>15</a:t>
+              <a:t>9</a:t>
             </a:fld>
             <a:endParaRPr lang="en-US"/>
           </a:p>
@@ -1394,7 +1533,7 @@
     </p:spTree>
     <p:extLst>
       <p:ext uri="{BB962C8B-B14F-4D97-AF65-F5344CB8AC3E}">
-        <p14:creationId xmlns:p14="http://schemas.microsoft.com/office/powerpoint/2010/main" val="1075467073"/>
+        <p14:creationId xmlns:p14="http://schemas.microsoft.com/office/powerpoint/2010/main" val="3776469877"/>
       </p:ext>
     </p:extLst>
   </p:cSld>
@@ -1575,7 +1714,7 @@
             <a:fld id="{C8AC33F9-044C-4B38-8B6C-236C15A0E77C}" type="slidenum">
               <a:rPr lang="en-US" smtClean="0"/>
               <a:pPr/>
-              <a:t>27</a:t>
+              <a:t>15</a:t>
             </a:fld>
             <a:endParaRPr lang="en-US"/>
           </a:p>
@@ -1584,7 +1723,7 @@
     </p:spTree>
     <p:extLst>
       <p:ext uri="{BB962C8B-B14F-4D97-AF65-F5344CB8AC3E}">
-        <p14:creationId xmlns:p14="http://schemas.microsoft.com/office/powerpoint/2010/main" val="2996404736"/>
+        <p14:creationId xmlns:p14="http://schemas.microsoft.com/office/powerpoint/2010/main" val="1075467073"/>
       </p:ext>
     </p:extLst>
   </p:cSld>
@@ -1765,6 +1904,196 @@
             <a:fld id="{C8AC33F9-044C-4B38-8B6C-236C15A0E77C}" type="slidenum">
               <a:rPr lang="en-US" smtClean="0"/>
               <a:pPr/>
+              <a:t>27</a:t>
+            </a:fld>
+            <a:endParaRPr lang="en-US"/>
+          </a:p>
+        </p:txBody>
+      </p:sp>
+    </p:spTree>
+    <p:extLst>
+      <p:ext uri="{BB962C8B-B14F-4D97-AF65-F5344CB8AC3E}">
+        <p14:creationId xmlns:p14="http://schemas.microsoft.com/office/powerpoint/2010/main" val="2996404736"/>
+      </p:ext>
+    </p:extLst>
+  </p:cSld>
+  <p:clrMapOvr>
+    <a:masterClrMapping/>
+  </p:clrMapOvr>
+</p:notes>
+</file>
+
+<file path=ppt/notesSlides/notesSlide8.xml><?xml version="1.0" encoding="utf-8"?>
+<p:notes xmlns:a="http://schemas.openxmlformats.org/drawingml/2006/main" xmlns:r="http://schemas.openxmlformats.org/officeDocument/2006/relationships" xmlns:p="http://schemas.openxmlformats.org/presentationml/2006/main">
+  <p:cSld>
+    <p:spTree>
+      <p:nvGrpSpPr>
+        <p:cNvPr id="1" name=""/>
+        <p:cNvGrpSpPr/>
+        <p:nvPr/>
+      </p:nvGrpSpPr>
+      <p:grpSpPr>
+        <a:xfrm>
+          <a:off x="0" y="0"/>
+          <a:ext cx="0" cy="0"/>
+          <a:chOff x="0" y="0"/>
+          <a:chExt cx="0" cy="0"/>
+        </a:xfrm>
+      </p:grpSpPr>
+      <p:sp>
+        <p:nvSpPr>
+          <p:cNvPr id="2" name="Slide Image Placeholder 1"/>
+          <p:cNvSpPr>
+            <a:spLocks noGrp="1" noRot="1" noChangeAspect="1"/>
+          </p:cNvSpPr>
+          <p:nvPr>
+            <p:ph type="sldImg"/>
+          </p:nvPr>
+        </p:nvSpPr>
+        <p:spPr/>
+      </p:sp>
+      <p:sp>
+        <p:nvSpPr>
+          <p:cNvPr id="3" name="Notes Placeholder 2"/>
+          <p:cNvSpPr>
+            <a:spLocks noGrp="1"/>
+          </p:cNvSpPr>
+          <p:nvPr>
+            <p:ph type="body" idx="1"/>
+          </p:nvPr>
+        </p:nvSpPr>
+        <p:spPr/>
+        <p:txBody>
+          <a:bodyPr>
+            <a:normAutofit/>
+          </a:bodyPr>
+          <a:lstStyle/>
+          <a:p>
+            <a:r>
+              <a:rPr lang="en-US" dirty="0" smtClean="0"/>
+              <a:t>Session:</a:t>
+            </a:r>
+            <a:r>
+              <a:rPr lang="en-US" baseline="0" dirty="0" smtClean="0"/>
+              <a:t> </a:t>
+            </a:r>
+            <a:r>
+              <a:rPr lang="en-US" baseline="0" dirty="0" err="1" smtClean="0"/>
+              <a:t>Ghi</a:t>
+            </a:r>
+            <a:r>
+              <a:rPr lang="en-US" baseline="0" dirty="0" smtClean="0"/>
+              <a:t> </a:t>
+            </a:r>
+            <a:r>
+              <a:rPr lang="en-US" baseline="0" dirty="0" err="1" smtClean="0"/>
+              <a:t>số</a:t>
+            </a:r>
+            <a:r>
+              <a:rPr lang="en-US" baseline="0" dirty="0" smtClean="0"/>
+              <a:t> </a:t>
+            </a:r>
+            <a:r>
+              <a:rPr lang="en-US" baseline="0" dirty="0" err="1" smtClean="0"/>
+              <a:t>thứ</a:t>
+            </a:r>
+            <a:r>
+              <a:rPr lang="en-US" baseline="0" dirty="0" smtClean="0"/>
+              <a:t> </a:t>
+            </a:r>
+            <a:r>
+              <a:rPr lang="en-US" baseline="0" dirty="0" err="1" smtClean="0"/>
+              <a:t>tự</a:t>
+            </a:r>
+            <a:r>
+              <a:rPr lang="en-US" baseline="0" dirty="0" smtClean="0"/>
+              <a:t> session </a:t>
+            </a:r>
+            <a:r>
+              <a:rPr lang="en-US" baseline="0" dirty="0" err="1" smtClean="0"/>
+              <a:t>trong</a:t>
+            </a:r>
+            <a:r>
+              <a:rPr lang="en-US" baseline="0" dirty="0" smtClean="0"/>
+              <a:t> </a:t>
+            </a:r>
+            <a:r>
+              <a:rPr lang="en-US" baseline="0" dirty="0" err="1" smtClean="0"/>
+              <a:t>môn</a:t>
+            </a:r>
+            <a:r>
+              <a:rPr lang="en-US" baseline="0" dirty="0" smtClean="0"/>
+              <a:t> </a:t>
+            </a:r>
+            <a:r>
+              <a:rPr lang="en-US" baseline="0" dirty="0" err="1" smtClean="0"/>
+              <a:t>học</a:t>
+            </a:r>
+            <a:endParaRPr lang="en-US" baseline="0" dirty="0" smtClean="0"/>
+          </a:p>
+          <a:p>
+            <a:r>
+              <a:rPr lang="en-US" baseline="0" dirty="0" smtClean="0"/>
+              <a:t>Session Name: </a:t>
+            </a:r>
+            <a:r>
+              <a:rPr lang="en-US" baseline="0" dirty="0" err="1" smtClean="0"/>
+              <a:t>ghi</a:t>
+            </a:r>
+            <a:r>
+              <a:rPr lang="en-US" baseline="0" dirty="0" smtClean="0"/>
+              <a:t> </a:t>
+            </a:r>
+            <a:r>
+              <a:rPr lang="en-US" baseline="0" dirty="0" err="1" smtClean="0"/>
+              <a:t>tên</a:t>
+            </a:r>
+            <a:r>
+              <a:rPr lang="en-US" baseline="0" dirty="0" smtClean="0"/>
+              <a:t> </a:t>
+            </a:r>
+            <a:r>
+              <a:rPr lang="en-US" baseline="0" dirty="0" err="1" smtClean="0"/>
+              <a:t>của</a:t>
+            </a:r>
+            <a:r>
+              <a:rPr lang="en-US" baseline="0" dirty="0" smtClean="0"/>
+              <a:t> session </a:t>
+            </a:r>
+            <a:r>
+              <a:rPr lang="en-US" baseline="0" dirty="0" err="1" smtClean="0"/>
+              <a:t>sẽ</a:t>
+            </a:r>
+            <a:r>
+              <a:rPr lang="en-US" baseline="0" dirty="0" smtClean="0"/>
+              <a:t> </a:t>
+            </a:r>
+            <a:r>
+              <a:rPr lang="en-US" baseline="0" dirty="0" err="1" smtClean="0"/>
+              <a:t>dạy</a:t>
+            </a:r>
+            <a:endParaRPr lang="en-US" dirty="0"/>
+          </a:p>
+        </p:txBody>
+      </p:sp>
+      <p:sp>
+        <p:nvSpPr>
+          <p:cNvPr id="4" name="Slide Number Placeholder 3"/>
+          <p:cNvSpPr>
+            <a:spLocks noGrp="1"/>
+          </p:cNvSpPr>
+          <p:nvPr>
+            <p:ph type="sldNum" sz="quarter" idx="10"/>
+          </p:nvPr>
+        </p:nvSpPr>
+        <p:spPr/>
+        <p:txBody>
+          <a:bodyPr/>
+          <a:lstStyle/>
+          <a:p>
+            <a:fld id="{C8AC33F9-044C-4B38-8B6C-236C15A0E77C}" type="slidenum">
+              <a:rPr lang="en-US" smtClean="0"/>
+              <a:pPr/>
               <a:t>33</a:t>
             </a:fld>
             <a:endParaRPr lang="en-US"/>
@@ -1784,7 +2113,7 @@
 </p:notes>
 </file>
 
-<file path=ppt/notesSlides/notesSlide8.xml><?xml version="1.0" encoding="utf-8"?>
+<file path=ppt/notesSlides/notesSlide9.xml><?xml version="1.0" encoding="utf-8"?>
 <p:notes xmlns:a="http://schemas.openxmlformats.org/drawingml/2006/main" xmlns:r="http://schemas.openxmlformats.org/officeDocument/2006/relationships" xmlns:p="http://schemas.openxmlformats.org/presentationml/2006/main">
   <p:cSld>
     <p:spTree>
@@ -5152,7 +5481,7 @@
         </p:blipFill>
         <p:spPr>
           <a:xfrm>
-            <a:off x="457200" y="1417638"/>
+            <a:off x="509587" y="1417638"/>
             <a:ext cx="7877175" cy="3343275"/>
           </a:xfrm>
           <a:prstGeom prst="rect">
@@ -5699,10 +6028,10 @@
           <a:lstStyle/>
           <a:p>
             <a:r>
-              <a:rPr lang="en-US" smtClean="0"/>
+              <a:rPr lang="en-US" dirty="0" smtClean="0"/>
               <a:t>How to create and call a function expression</a:t>
             </a:r>
-            <a:endParaRPr lang="en-US"/>
+            <a:endParaRPr lang="en-US" dirty="0"/>
           </a:p>
         </p:txBody>
       </p:sp>
@@ -5722,24 +6051,24 @@
           <a:lstStyle/>
           <a:p>
             <a:r>
-              <a:rPr lang="en-US" sz="2800" smtClean="0"/>
+              <a:rPr lang="en-US" sz="2800" dirty="0" smtClean="0"/>
               <a:t>A </a:t>
             </a:r>
             <a:r>
-              <a:rPr lang="en-US" sz="2800" b="1" smtClean="0"/>
+              <a:rPr lang="en-US" sz="2800" b="1" dirty="0" smtClean="0"/>
               <a:t>function</a:t>
             </a:r>
             <a:r>
-              <a:rPr lang="en-US" sz="2800" smtClean="0"/>
+              <a:rPr lang="en-US" sz="2800" dirty="0" smtClean="0"/>
               <a:t> is a block of statements that perform an action.</a:t>
             </a:r>
           </a:p>
           <a:p>
             <a:r>
-              <a:rPr lang="en-US" sz="2800" smtClean="0"/>
+              <a:rPr lang="en-US" sz="2800" dirty="0" smtClean="0"/>
               <a:t>It can receive parameters and return a value by issuing a return statement.</a:t>
             </a:r>
-            <a:endParaRPr lang="en-US" sz="2800"/>
+            <a:endParaRPr lang="en-US" sz="2800" dirty="0"/>
           </a:p>
         </p:txBody>
       </p:sp>
@@ -5866,7 +6195,7 @@
           <a:lstStyle/>
           <a:p>
             <a:r>
-              <a:rPr lang="en-US"/>
+              <a:rPr lang="en-US" dirty="0"/>
               <a:t>How to create and call a function expression (cont.)</a:t>
             </a:r>
           </a:p>
@@ -5961,10 +6290,10 @@
           <a:lstStyle/>
           <a:p>
             <a:r>
-              <a:rPr lang="en-US" smtClean="0"/>
+              <a:rPr lang="en-US" dirty="0" smtClean="0"/>
               <a:t>How to create and call a function declaration</a:t>
             </a:r>
-            <a:endParaRPr lang="en-US"/>
+            <a:endParaRPr lang="en-US" dirty="0"/>
           </a:p>
         </p:txBody>
       </p:sp>
@@ -7700,7 +8029,7 @@
           <a:lstStyle/>
           <a:p>
             <a:r>
-              <a:rPr lang="en-US" sz="2000" smtClean="0"/>
+              <a:rPr lang="en-US" sz="2000" dirty="0" smtClean="0"/>
               <a:t>The syntax for attaching an event handler</a:t>
             </a:r>
           </a:p>
@@ -7709,7 +8038,7 @@
               <a:buNone/>
             </a:pPr>
             <a:r>
-              <a:rPr lang="en-US" sz="1800" smtClean="0">
+              <a:rPr lang="en-US" sz="1800" dirty="0" smtClean="0">
                 <a:latin typeface="Courier New" panose="02070309020205020404" pitchFamily="49" charset="0"/>
                 <a:cs typeface="Courier New" panose="02070309020205020404" pitchFamily="49" charset="0"/>
               </a:rPr>
@@ -7720,31 +8049,31 @@
             <a:pPr marL="457200" lvl="1" indent="0">
               <a:buNone/>
             </a:pPr>
-            <a:endParaRPr lang="en-US" sz="1600" smtClean="0">
+            <a:endParaRPr lang="en-US" sz="1600" dirty="0" smtClean="0">
               <a:latin typeface="Courier New" panose="02070309020205020404" pitchFamily="49" charset="0"/>
               <a:cs typeface="Courier New" panose="02070309020205020404" pitchFamily="49" charset="0"/>
             </a:endParaRPr>
           </a:p>
           <a:p>
             <a:r>
-              <a:rPr lang="en-US" sz="2000" smtClean="0"/>
+              <a:rPr lang="en-US" sz="2000" dirty="0" smtClean="0"/>
               <a:t>An event handler named joinList</a:t>
             </a:r>
-            <a:endParaRPr lang="en-US" sz="2000"/>
+            <a:endParaRPr lang="en-US" sz="2000" dirty="0"/>
           </a:p>
           <a:p>
             <a:pPr marL="457200" lvl="1" indent="0">
               <a:buNone/>
             </a:pPr>
             <a:r>
-              <a:rPr lang="en-US" sz="1800">
+              <a:rPr lang="en-US" sz="1800" dirty="0">
                 <a:latin typeface="Courier New" panose="02070309020205020404" pitchFamily="49" charset="0"/>
                 <a:cs typeface="Courier New" panose="02070309020205020404" pitchFamily="49" charset="0"/>
               </a:rPr>
               <a:t>v</a:t>
             </a:r>
             <a:r>
-              <a:rPr lang="en-US" sz="1800" smtClean="0">
+              <a:rPr lang="en-US" sz="1800" dirty="0" smtClean="0">
                 <a:latin typeface="Courier New" panose="02070309020205020404" pitchFamily="49" charset="0"/>
                 <a:cs typeface="Courier New" panose="02070309020205020404" pitchFamily="49" charset="0"/>
               </a:rPr>
@@ -7756,13 +8085,13 @@
               <a:buNone/>
             </a:pPr>
             <a:r>
-              <a:rPr lang="en-US" sz="1800" smtClean="0">
+              <a:rPr lang="en-US" sz="1800" dirty="0" smtClean="0">
                 <a:latin typeface="Courier New" panose="02070309020205020404" pitchFamily="49" charset="0"/>
                 <a:cs typeface="Courier New" panose="02070309020205020404" pitchFamily="49" charset="0"/>
               </a:rPr>
               <a:t>	alert(“The statements for the function go here”)</a:t>
             </a:r>
-            <a:endParaRPr lang="en-US" sz="1800">
+            <a:endParaRPr lang="en-US" sz="1800" dirty="0">
               <a:latin typeface="Courier New" panose="02070309020205020404" pitchFamily="49" charset="0"/>
               <a:cs typeface="Courier New" panose="02070309020205020404" pitchFamily="49" charset="0"/>
             </a:endParaRPr>
@@ -7772,13 +8101,13 @@
               <a:buNone/>
             </a:pPr>
             <a:r>
-              <a:rPr lang="en-US" sz="1800" smtClean="0">
+              <a:rPr lang="en-US" sz="1800" dirty="0" smtClean="0">
                 <a:latin typeface="Courier New" panose="02070309020205020404" pitchFamily="49" charset="0"/>
                 <a:cs typeface="Courier New" panose="02070309020205020404" pitchFamily="49" charset="0"/>
               </a:rPr>
               <a:t>};</a:t>
             </a:r>
-            <a:endParaRPr lang="en-US" sz="1800">
+            <a:endParaRPr lang="en-US" sz="1800" dirty="0">
               <a:latin typeface="Courier New" panose="02070309020205020404" pitchFamily="49" charset="0"/>
               <a:cs typeface="Courier New" panose="02070309020205020404" pitchFamily="49" charset="0"/>
             </a:endParaRPr>
@@ -7788,7 +8117,7 @@
               <a:buNone/>
             </a:pPr>
             <a:r>
-              <a:rPr lang="en-US" sz="1800" smtClean="0"/>
+              <a:rPr lang="en-US" sz="1800" dirty="0" smtClean="0"/>
               <a:t>How to attach the event handler to the click event of a button</a:t>
             </a:r>
           </a:p>
@@ -7797,7 +8126,7 @@
               <a:buNone/>
             </a:pPr>
             <a:r>
-              <a:rPr lang="en-US" sz="1800" smtClean="0">
+              <a:rPr lang="en-US" sz="1800" dirty="0" smtClean="0">
                 <a:latin typeface="Courier New" panose="02070309020205020404" pitchFamily="49" charset="0"/>
                 <a:cs typeface="Courier New" panose="02070309020205020404" pitchFamily="49" charset="0"/>
               </a:rPr>
@@ -7809,36 +8138,36 @@
               <a:buNone/>
             </a:pPr>
             <a:r>
-              <a:rPr lang="en-US" sz="1800"/>
+              <a:rPr lang="en-US" sz="1800" dirty="0"/>
               <a:t>How to attach the event handler to the </a:t>
             </a:r>
             <a:r>
-              <a:rPr lang="en-US" sz="1800" smtClean="0"/>
+              <a:rPr lang="en-US" sz="1800" dirty="0" smtClean="0"/>
               <a:t>double-click </a:t>
             </a:r>
             <a:r>
-              <a:rPr lang="en-US" sz="1800"/>
+              <a:rPr lang="en-US" sz="1800" dirty="0"/>
               <a:t>event of a </a:t>
             </a:r>
             <a:r>
-              <a:rPr lang="en-US" sz="1800" smtClean="0"/>
+              <a:rPr lang="en-US" sz="1800" dirty="0" smtClean="0"/>
               <a:t>text box</a:t>
             </a:r>
-            <a:endParaRPr lang="en-US" sz="1800"/>
+            <a:endParaRPr lang="en-US" sz="1800" dirty="0"/>
           </a:p>
           <a:p>
             <a:pPr marL="457200" lvl="1" indent="0">
               <a:buNone/>
             </a:pPr>
             <a:r>
-              <a:rPr lang="en-US" sz="1800" smtClean="0">
+              <a:rPr lang="en-US" sz="1800" dirty="0" smtClean="0">
                 <a:latin typeface="Courier New" panose="02070309020205020404" pitchFamily="49" charset="0"/>
                 <a:cs typeface="Courier New" panose="02070309020205020404" pitchFamily="49" charset="0"/>
               </a:rPr>
               <a:t>$(“text_box_1”).ondblclick </a:t>
             </a:r>
             <a:r>
-              <a:rPr lang="en-US" sz="1800">
+              <a:rPr lang="en-US" sz="1800" dirty="0">
                 <a:latin typeface="Courier New" panose="02070309020205020404" pitchFamily="49" charset="0"/>
                 <a:cs typeface="Courier New" panose="02070309020205020404" pitchFamily="49" charset="0"/>
               </a:rPr>
@@ -7849,24 +8178,24 @@
             <a:pPr marL="457200" lvl="1" indent="0">
               <a:buNone/>
             </a:pPr>
-            <a:endParaRPr lang="en-US" sz="1200">
+            <a:endParaRPr lang="en-US" sz="1200" dirty="0">
               <a:latin typeface="Courier New" panose="02070309020205020404" pitchFamily="49" charset="0"/>
               <a:cs typeface="Courier New" panose="02070309020205020404" pitchFamily="49" charset="0"/>
             </a:endParaRPr>
           </a:p>
           <a:p>
             <a:r>
-              <a:rPr lang="en-US" sz="2000" smtClean="0"/>
+              <a:rPr lang="en-US" sz="2000" dirty="0" smtClean="0"/>
               <a:t>How to create and attach an event handler in one step</a:t>
             </a:r>
-            <a:endParaRPr lang="en-US" sz="2000"/>
+            <a:endParaRPr lang="en-US" sz="2000" dirty="0"/>
           </a:p>
           <a:p>
             <a:pPr marL="457200" lvl="1" indent="0">
               <a:buNone/>
             </a:pPr>
             <a:r>
-              <a:rPr lang="en-US" sz="1600" smtClean="0">
+              <a:rPr lang="en-US" sz="1600" dirty="0" smtClean="0">
                 <a:latin typeface="Courier New" panose="02070309020205020404" pitchFamily="49" charset="0"/>
                 <a:cs typeface="Courier New" panose="02070309020205020404" pitchFamily="49" charset="0"/>
               </a:rPr>
@@ -7878,13 +8207,13 @@
               <a:buNone/>
             </a:pPr>
             <a:r>
-              <a:rPr lang="en-US" sz="1600" smtClean="0">
+              <a:rPr lang="en-US" sz="1600" dirty="0" smtClean="0">
                 <a:latin typeface="Courier New" panose="02070309020205020404" pitchFamily="49" charset="0"/>
                 <a:cs typeface="Courier New" panose="02070309020205020404" pitchFamily="49" charset="0"/>
               </a:rPr>
               <a:t>	alert(“This is the window onload event handler function.”);</a:t>
             </a:r>
-            <a:endParaRPr lang="en-US" sz="1600">
+            <a:endParaRPr lang="en-US" sz="1600" dirty="0">
               <a:latin typeface="Courier New" panose="02070309020205020404" pitchFamily="49" charset="0"/>
               <a:cs typeface="Courier New" panose="02070309020205020404" pitchFamily="49" charset="0"/>
             </a:endParaRPr>
@@ -7894,13 +8223,13 @@
               <a:buNone/>
             </a:pPr>
             <a:r>
-              <a:rPr lang="en-US" sz="1600" smtClean="0">
+              <a:rPr lang="en-US" sz="1600" dirty="0" smtClean="0">
                 <a:latin typeface="Courier New" panose="02070309020205020404" pitchFamily="49" charset="0"/>
                 <a:cs typeface="Courier New" panose="02070309020205020404" pitchFamily="49" charset="0"/>
               </a:rPr>
               <a:t>}</a:t>
             </a:r>
-            <a:endParaRPr lang="en-US" sz="1800">
+            <a:endParaRPr lang="en-US" sz="1800" dirty="0">
               <a:latin typeface="Courier New" panose="02070309020205020404" pitchFamily="49" charset="0"/>
               <a:cs typeface="Courier New" panose="02070309020205020404" pitchFamily="49" charset="0"/>
             </a:endParaRPr>
@@ -7909,13 +8238,13 @@
             <a:pPr marL="457200" lvl="1" indent="0">
               <a:buNone/>
             </a:pPr>
-            <a:endParaRPr lang="en-US" sz="1800"/>
+            <a:endParaRPr lang="en-US" sz="1800" dirty="0"/>
           </a:p>
           <a:p>
             <a:pPr marL="457200" lvl="1" indent="0">
               <a:buNone/>
             </a:pPr>
-            <a:endParaRPr lang="en-US" sz="1800">
+            <a:endParaRPr lang="en-US" sz="1800" dirty="0">
               <a:latin typeface="Courier New" panose="02070309020205020404" pitchFamily="49" charset="0"/>
               <a:cs typeface="Courier New" panose="02070309020205020404" pitchFamily="49" charset="0"/>
             </a:endParaRPr>
@@ -9005,7 +9334,7 @@
           <p:nvPr/>
         </p:nvPicPr>
         <p:blipFill>
-          <a:blip r:embed="rId2"/>
+          <a:blip r:embed="rId3"/>
           <a:stretch>
             <a:fillRect/>
           </a:stretch>
@@ -9029,7 +9358,7 @@
           <p:nvPr/>
         </p:nvPicPr>
         <p:blipFill>
-          <a:blip r:embed="rId3"/>
+          <a:blip r:embed="rId4"/>
           <a:stretch>
             <a:fillRect/>
           </a:stretch>
@@ -9421,6 +9750,66 @@
           </a:prstGeom>
         </p:spPr>
       </p:pic>
+      <p:sp>
+        <p:nvSpPr>
+          <p:cNvPr id="4" name="TextBox 3"/>
+          <p:cNvSpPr txBox="1"/>
+          <p:nvPr/>
+        </p:nvSpPr>
+        <p:spPr>
+          <a:xfrm>
+            <a:off x="6705600" y="2895600"/>
+            <a:ext cx="3200400" cy="369332"/>
+          </a:xfrm>
+          <a:prstGeom prst="rect">
+            <a:avLst/>
+          </a:prstGeom>
+          <a:noFill/>
+        </p:spPr>
+        <p:txBody>
+          <a:bodyPr wrap="square" rtlCol="0">
+            <a:spAutoFit/>
+          </a:bodyPr>
+          <a:lstStyle/>
+          <a:p>
+            <a:r>
+              <a:rPr lang="en-US" dirty="0" smtClean="0"/>
+              <a:t>Firstname : object</a:t>
+            </a:r>
+            <a:endParaRPr lang="en-US" dirty="0"/>
+          </a:p>
+        </p:txBody>
+      </p:sp>
+      <p:sp>
+        <p:nvSpPr>
+          <p:cNvPr id="5" name="TextBox 4"/>
+          <p:cNvSpPr txBox="1"/>
+          <p:nvPr/>
+        </p:nvSpPr>
+        <p:spPr>
+          <a:xfrm>
+            <a:off x="4038600" y="3234914"/>
+            <a:ext cx="3886200" cy="369332"/>
+          </a:xfrm>
+          <a:prstGeom prst="rect">
+            <a:avLst/>
+          </a:prstGeom>
+          <a:noFill/>
+        </p:spPr>
+        <p:txBody>
+          <a:bodyPr wrap="square" rtlCol="0">
+            <a:spAutoFit/>
+          </a:bodyPr>
+          <a:lstStyle/>
+          <a:p>
+            <a:r>
+              <a:rPr lang="en-US" dirty="0" smtClean="0"/>
+              <a:t>Get firstname thành string</a:t>
+            </a:r>
+            <a:endParaRPr lang="en-US" dirty="0"/>
+          </a:p>
+        </p:txBody>
+      </p:sp>
     </p:spTree>
     <p:extLst>
       <p:ext uri="{BB962C8B-B14F-4D97-AF65-F5344CB8AC3E}">
